--- a/doc/checkers_game.pptx
+++ b/doc/checkers_game.pptx
@@ -250,7 +250,7 @@
           <a:p>
             <a:fld id="{C238102F-BFA3-4357-9FA0-3A064E6F1B5A}" type="datetimeFigureOut">
               <a:rPr lang="en-US" smtClean="0"/>
-              <a:t>11/1/2022</a:t>
+              <a:t>11/10/2022</a:t>
             </a:fld>
             <a:endParaRPr lang="en-US" dirty="0"/>
           </a:p>
@@ -12881,7 +12881,12 @@
             <p:ph type="title"/>
           </p:nvPr>
         </p:nvSpPr>
-        <p:spPr/>
+        <p:spPr>
+          <a:xfrm>
+            <a:off x="1139952" y="472308"/>
+            <a:ext cx="9912096" cy="1014984"/>
+          </a:xfrm>
+        </p:spPr>
         <p:txBody>
           <a:bodyPr/>
           <a:lstStyle/>
@@ -12911,7 +12916,7 @@
         </p:nvSpPr>
         <p:spPr>
           <a:xfrm>
-            <a:off x="0" y="2363776"/>
+            <a:off x="7811793" y="2346335"/>
             <a:ext cx="2086252" cy="3200400"/>
           </a:xfrm>
         </p:spPr>
@@ -12944,7 +12949,7 @@
         </p:nvSpPr>
         <p:spPr>
           <a:xfrm>
-            <a:off x="-236220" y="4944515"/>
+            <a:off x="7582563" y="4916017"/>
             <a:ext cx="2514600" cy="338328"/>
           </a:xfrm>
         </p:spPr>
@@ -12977,7 +12982,7 @@
         </p:nvSpPr>
         <p:spPr>
           <a:xfrm>
-            <a:off x="2343438" y="2346335"/>
+            <a:off x="2924872" y="2348275"/>
             <a:ext cx="2077642" cy="3200400"/>
           </a:xfrm>
         </p:spPr>
@@ -13019,7 +13024,7 @@
         </p:nvSpPr>
         <p:spPr>
           <a:xfrm>
-            <a:off x="2093887" y="4935637"/>
+            <a:off x="2733724" y="4958682"/>
             <a:ext cx="2514600" cy="338328"/>
           </a:xfrm>
         </p:spPr>
@@ -13052,7 +13057,7 @@
         </p:nvSpPr>
         <p:spPr>
           <a:xfrm>
-            <a:off x="4673545" y="2346335"/>
+            <a:off x="5111633" y="2346335"/>
             <a:ext cx="2514600" cy="3200400"/>
           </a:xfrm>
         </p:spPr>
@@ -13085,7 +13090,7 @@
         </p:nvSpPr>
         <p:spPr>
           <a:xfrm>
-            <a:off x="4629875" y="4944515"/>
+            <a:off x="5067963" y="4944515"/>
             <a:ext cx="2514600" cy="338328"/>
           </a:xfrm>
         </p:spPr>
@@ -13118,7 +13123,7 @@
         </p:nvSpPr>
         <p:spPr>
           <a:xfrm>
-            <a:off x="7459084" y="2335334"/>
+            <a:off x="378623" y="2346335"/>
             <a:ext cx="2389478" cy="3200400"/>
           </a:xfrm>
         </p:spPr>
@@ -13151,7 +13156,7 @@
         </p:nvSpPr>
         <p:spPr>
           <a:xfrm>
-            <a:off x="7396523" y="4944515"/>
+            <a:off x="138943" y="4916017"/>
             <a:ext cx="2514600" cy="338328"/>
           </a:xfrm>
         </p:spPr>
@@ -13702,7 +13707,7 @@
         </p:blipFill>
         <p:spPr>
           <a:xfrm>
-            <a:off x="264452" y="2517223"/>
+            <a:off x="666604" y="2633718"/>
             <a:ext cx="1590564" cy="1590564"/>
           </a:xfrm>
           <a:prstGeom prst="rect">
@@ -13754,7 +13759,7 @@
         </p:blipFill>
         <p:spPr>
           <a:xfrm>
-            <a:off x="2586977" y="2554981"/>
+            <a:off x="3180911" y="2633718"/>
             <a:ext cx="1590564" cy="1590564"/>
           </a:xfrm>
           <a:prstGeom prst="rect">
@@ -13806,7 +13811,7 @@
         </p:blipFill>
         <p:spPr>
           <a:xfrm>
-            <a:off x="5086355" y="2554981"/>
+            <a:off x="5524443" y="2554981"/>
             <a:ext cx="1590564" cy="1590564"/>
           </a:xfrm>
           <a:prstGeom prst="rect">
@@ -13858,7 +13863,7 @@
         </p:blipFill>
         <p:spPr>
           <a:xfrm>
-            <a:off x="7858541" y="2554981"/>
+            <a:off x="8059637" y="2554981"/>
             <a:ext cx="1590564" cy="1590564"/>
           </a:xfrm>
           <a:prstGeom prst="rect">
@@ -16218,7 +16223,7 @@
           <a:p>
             <a:r>
               <a:rPr lang="en-IN" dirty="0"/>
-              <a:t>Sys</a:t>
+              <a:t>Math</a:t>
             </a:r>
             <a:endParaRPr lang="en-US" dirty="0"/>
           </a:p>
@@ -16855,26 +16860,6 @@
 </file>
 
 <file path=customXml/item1.xml><?xml version="1.0" encoding="utf-8"?>
-<p:properties xmlns:p="http://schemas.microsoft.com/office/2006/metadata/properties" xmlns:xsi="http://www.w3.org/2001/XMLSchema-instance" xmlns:pc="http://schemas.microsoft.com/office/infopath/2007/PartnerControls">
-  <documentManagement>
-    <_ip_UnifiedCompliancePolicyUIAction xmlns="http://schemas.microsoft.com/sharepoint/v3" xsi:nil="true"/>
-    <Image xmlns="71af3243-3dd4-4a8d-8c0d-dd76da1f02a5">
-      <Url xsi:nil="true"/>
-      <Description xsi:nil="true"/>
-    </Image>
-    <Status xmlns="71af3243-3dd4-4a8d-8c0d-dd76da1f02a5">Not started</Status>
-    <Background xmlns="71af3243-3dd4-4a8d-8c0d-dd76da1f02a5">false</Background>
-    <_ip_UnifiedCompliancePolicyProperties xmlns="http://schemas.microsoft.com/sharepoint/v3" xsi:nil="true"/>
-    <ImageTagsTaxHTField xmlns="71af3243-3dd4-4a8d-8c0d-dd76da1f02a5">
-      <Terms xmlns="http://schemas.microsoft.com/office/infopath/2007/PartnerControls"/>
-    </ImageTagsTaxHTField>
-    <TaxCatchAll xmlns="230e9df3-be65-4c73-a93b-d1236ebd677e" xsi:nil="true"/>
-    <MediaServiceKeyPoints xmlns="71af3243-3dd4-4a8d-8c0d-dd76da1f02a5" xsi:nil="true"/>
-  </documentManagement>
-</p:properties>
-</file>
-
-<file path=customXml/item2.xml><?xml version="1.0" encoding="utf-8"?>
 <ct:contentTypeSchema xmlns:ct="http://schemas.microsoft.com/office/2006/metadata/contentType" xmlns:ma="http://schemas.microsoft.com/office/2006/metadata/properties/metaAttributes" ct:_="" ma:_="" ma:contentTypeName="Document" ma:contentTypeID="0x01010079F111ED35F8CC479449609E8A0923A6" ma:contentTypeVersion="24" ma:contentTypeDescription="Create a new document." ma:contentTypeScope="" ma:versionID="2d714a3296df14eba7a100bb665443ca">
   <xsd:schema xmlns:xsd="http://www.w3.org/2001/XMLSchema" xmlns:xs="http://www.w3.org/2001/XMLSchema" xmlns:p="http://schemas.microsoft.com/office/2006/metadata/properties" xmlns:ns1="http://schemas.microsoft.com/sharepoint/v3" xmlns:ns2="71af3243-3dd4-4a8d-8c0d-dd76da1f02a5" xmlns:ns3="16c05727-aa75-4e4a-9b5f-8a80a1165891" xmlns:ns4="230e9df3-be65-4c73-a93b-d1236ebd677e" targetNamespace="http://schemas.microsoft.com/office/2006/metadata/properties" ma:root="true" ma:fieldsID="49549bf45bfbbfb6cffed527380e77e1" ns1:_="" ns2:_="" ns3:_="" ns4:_="">
     <xsd:import namespace="http://schemas.microsoft.com/sharepoint/v3"/>
@@ -17162,6 +17147,26 @@
 </ct:contentTypeSchema>
 </file>
 
+<file path=customXml/item2.xml><?xml version="1.0" encoding="utf-8"?>
+<p:properties xmlns:p="http://schemas.microsoft.com/office/2006/metadata/properties" xmlns:xsi="http://www.w3.org/2001/XMLSchema-instance" xmlns:pc="http://schemas.microsoft.com/office/infopath/2007/PartnerControls">
+  <documentManagement>
+    <_ip_UnifiedCompliancePolicyUIAction xmlns="http://schemas.microsoft.com/sharepoint/v3" xsi:nil="true"/>
+    <Image xmlns="71af3243-3dd4-4a8d-8c0d-dd76da1f02a5">
+      <Url xsi:nil="true"/>
+      <Description xsi:nil="true"/>
+    </Image>
+    <Status xmlns="71af3243-3dd4-4a8d-8c0d-dd76da1f02a5">Not started</Status>
+    <Background xmlns="71af3243-3dd4-4a8d-8c0d-dd76da1f02a5">false</Background>
+    <_ip_UnifiedCompliancePolicyProperties xmlns="http://schemas.microsoft.com/sharepoint/v3" xsi:nil="true"/>
+    <ImageTagsTaxHTField xmlns="71af3243-3dd4-4a8d-8c0d-dd76da1f02a5">
+      <Terms xmlns="http://schemas.microsoft.com/office/infopath/2007/PartnerControls"/>
+    </ImageTagsTaxHTField>
+    <TaxCatchAll xmlns="230e9df3-be65-4c73-a93b-d1236ebd677e" xsi:nil="true"/>
+    <MediaServiceKeyPoints xmlns="71af3243-3dd4-4a8d-8c0d-dd76da1f02a5" xsi:nil="true"/>
+  </documentManagement>
+</p:properties>
+</file>
+
 <file path=customXml/item3.xml><?xml version="1.0" encoding="utf-8"?>
 <?mso-contentType ?>
 <FormTemplates xmlns="http://schemas.microsoft.com/sharepoint/v3/contenttype/forms">
@@ -17172,18 +17177,6 @@
 </file>
 
 <file path=customXml/itemProps1.xml><?xml version="1.0" encoding="utf-8"?>
-<ds:datastoreItem xmlns:ds="http://schemas.openxmlformats.org/officeDocument/2006/customXml" ds:itemID="{61D9A46C-D3F3-4D45-B248-B831C6B5FC85}">
-  <ds:schemaRefs>
-    <ds:schemaRef ds:uri="http://schemas.microsoft.com/office/2006/metadata/properties"/>
-    <ds:schemaRef ds:uri="http://schemas.microsoft.com/office/infopath/2007/PartnerControls"/>
-    <ds:schemaRef ds:uri="http://schemas.microsoft.com/sharepoint/v3"/>
-    <ds:schemaRef ds:uri="71af3243-3dd4-4a8d-8c0d-dd76da1f02a5"/>
-    <ds:schemaRef ds:uri="230e9df3-be65-4c73-a93b-d1236ebd677e"/>
-  </ds:schemaRefs>
-</ds:datastoreItem>
-</file>
-
-<file path=customXml/itemProps2.xml><?xml version="1.0" encoding="utf-8"?>
 <ds:datastoreItem xmlns:ds="http://schemas.openxmlformats.org/officeDocument/2006/customXml" ds:itemID="{A7D90517-43A3-4BC6-B197-5C7B7D3DBCAD}">
   <ds:schemaRefs>
     <ds:schemaRef ds:uri="http://schemas.microsoft.com/office/2006/metadata/contentType"/>
@@ -17204,6 +17197,18 @@
 </ds:datastoreItem>
 </file>
 
+<file path=customXml/itemProps2.xml><?xml version="1.0" encoding="utf-8"?>
+<ds:datastoreItem xmlns:ds="http://schemas.openxmlformats.org/officeDocument/2006/customXml" ds:itemID="{61D9A46C-D3F3-4D45-B248-B831C6B5FC85}">
+  <ds:schemaRefs>
+    <ds:schemaRef ds:uri="http://schemas.microsoft.com/office/2006/metadata/properties"/>
+    <ds:schemaRef ds:uri="http://schemas.microsoft.com/office/infopath/2007/PartnerControls"/>
+    <ds:schemaRef ds:uri="http://schemas.microsoft.com/sharepoint/v3"/>
+    <ds:schemaRef ds:uri="71af3243-3dd4-4a8d-8c0d-dd76da1f02a5"/>
+    <ds:schemaRef ds:uri="230e9df3-be65-4c73-a93b-d1236ebd677e"/>
+  </ds:schemaRefs>
+</ds:datastoreItem>
+</file>
+
 <file path=customXml/itemProps3.xml><?xml version="1.0" encoding="utf-8"?>
 <ds:datastoreItem xmlns:ds="http://schemas.openxmlformats.org/officeDocument/2006/customXml" ds:itemID="{5FA78568-A730-4D3B-A489-FD854E91254A}">
   <ds:schemaRefs>
